--- a/Presentation/SPEF Extractor MS2.pptx
+++ b/Presentation/SPEF Extractor MS2.pptx
@@ -5,7 +5,7 @@
     <p:sldMasterId id="2147483659" r:id="rId1"/>
   </p:sldMasterIdLst>
   <p:notesMasterIdLst>
-    <p:notesMasterId r:id="rId22"/>
+    <p:notesMasterId r:id="rId24"/>
   </p:notesMasterIdLst>
   <p:sldIdLst>
     <p:sldId id="256" r:id="rId2"/>
@@ -25,26 +25,28 @@
     <p:sldId id="270" r:id="rId16"/>
     <p:sldId id="272" r:id="rId17"/>
     <p:sldId id="280" r:id="rId18"/>
-    <p:sldId id="271" r:id="rId19"/>
-    <p:sldId id="279" r:id="rId20"/>
-    <p:sldId id="278" r:id="rId21"/>
+    <p:sldId id="292" r:id="rId19"/>
+    <p:sldId id="293" r:id="rId20"/>
+    <p:sldId id="271" r:id="rId21"/>
+    <p:sldId id="279" r:id="rId22"/>
+    <p:sldId id="278" r:id="rId23"/>
   </p:sldIdLst>
   <p:sldSz cx="9144000" cy="5143500" type="screen16x9"/>
   <p:notesSz cx="6858000" cy="9144000"/>
   <p:embeddedFontLst>
     <p:embeddedFont>
-      <p:font typeface="Economica" panose="020B0604020202020204" charset="0"/>
-      <p:regular r:id="rId23"/>
-      <p:bold r:id="rId24"/>
-      <p:italic r:id="rId25"/>
-      <p:boldItalic r:id="rId26"/>
+      <p:font typeface="Open Sans" panose="020B0604020202020204" charset="0"/>
+      <p:regular r:id="rId25"/>
+      <p:bold r:id="rId26"/>
+      <p:italic r:id="rId27"/>
+      <p:boldItalic r:id="rId28"/>
     </p:embeddedFont>
     <p:embeddedFont>
-      <p:font typeface="Open Sans" panose="020B0604020202020204" charset="0"/>
-      <p:regular r:id="rId27"/>
-      <p:bold r:id="rId28"/>
-      <p:italic r:id="rId29"/>
-      <p:boldItalic r:id="rId30"/>
+      <p:font typeface="Economica" panose="020B0604020202020204" charset="0"/>
+      <p:regular r:id="rId29"/>
+      <p:bold r:id="rId30"/>
+      <p:italic r:id="rId31"/>
+      <p:boldItalic r:id="rId32"/>
     </p:embeddedFont>
   </p:embeddedFontLst>
   <p:defaultTextStyle>
@@ -1618,7 +1620,7 @@
   <p:cSld>
     <p:spTree>
       <p:nvGrpSpPr>
-        <p:cNvPr id="1" name="Shape 149"/>
+        <p:cNvPr id="1" name="Shape 161"/>
         <p:cNvGrpSpPr/>
         <p:nvPr/>
       </p:nvGrpSpPr>
@@ -1632,7 +1634,7 @@
       </p:grpSpPr>
       <p:sp>
         <p:nvSpPr>
-          <p:cNvPr id="150" name="Google Shape;150;g75c22de780_0_78:notes"/>
+          <p:cNvPr id="162" name="Google Shape;162;g75c5c2e5e7_1_4:notes"/>
           <p:cNvSpPr>
             <a:spLocks noGrp="1" noRot="1" noChangeAspect="1"/>
           </p:cNvSpPr>
@@ -1642,7 +1644,7 @@
         </p:nvSpPr>
         <p:spPr>
           <a:xfrm>
-            <a:off x="381000" y="685800"/>
+            <a:off x="381300" y="685800"/>
             <a:ext cx="6096000" cy="3429000"/>
           </a:xfrm>
           <a:custGeom>
@@ -1673,7 +1675,7 @@
       </p:sp>
       <p:sp>
         <p:nvSpPr>
-          <p:cNvPr id="151" name="Google Shape;151;g75c22de780_0_78:notes"/>
+          <p:cNvPr id="163" name="Google Shape;163;g75c5c2e5e7_1_4:notes"/>
           <p:cNvSpPr txBox="1">
             <a:spLocks noGrp="1"/>
           </p:cNvSpPr>
@@ -1712,7 +1714,7 @@
     </p:spTree>
     <p:extLst>
       <p:ext uri="{BB962C8B-B14F-4D97-AF65-F5344CB8AC3E}">
-        <p14:creationId xmlns:p14="http://schemas.microsoft.com/office/powerpoint/2010/main" val="1680397325"/>
+        <p14:creationId xmlns:p14="http://schemas.microsoft.com/office/powerpoint/2010/main" val="2990408796"/>
       </p:ext>
     </p:extLst>
   </p:cSld>
@@ -1727,7 +1729,7 @@
   <p:cSld>
     <p:spTree>
       <p:nvGrpSpPr>
-        <p:cNvPr id="1" name="Shape 195"/>
+        <p:cNvPr id="1" name="Shape 168"/>
         <p:cNvGrpSpPr/>
         <p:nvPr/>
       </p:nvGrpSpPr>
@@ -1741,7 +1743,7 @@
       </p:grpSpPr>
       <p:sp>
         <p:nvSpPr>
-          <p:cNvPr id="196" name="Google Shape;196;g75c22de780_0_83:notes"/>
+          <p:cNvPr id="169" name="Google Shape;169;g75cce8214f_0_0:notes"/>
           <p:cNvSpPr>
             <a:spLocks noGrp="1" noRot="1" noChangeAspect="1"/>
           </p:cNvSpPr>
@@ -1751,7 +1753,7 @@
         </p:nvSpPr>
         <p:spPr>
           <a:xfrm>
-            <a:off x="381000" y="685800"/>
+            <a:off x="381300" y="685800"/>
             <a:ext cx="6096000" cy="3429000"/>
           </a:xfrm>
           <a:custGeom>
@@ -1782,7 +1784,7 @@
       </p:sp>
       <p:sp>
         <p:nvSpPr>
-          <p:cNvPr id="197" name="Google Shape;197;g75c22de780_0_83:notes"/>
+          <p:cNvPr id="170" name="Google Shape;170;g75cce8214f_0_0:notes"/>
           <p:cNvSpPr txBox="1">
             <a:spLocks noGrp="1"/>
           </p:cNvSpPr>
@@ -1821,7 +1823,116 @@
     </p:spTree>
     <p:extLst>
       <p:ext uri="{BB962C8B-B14F-4D97-AF65-F5344CB8AC3E}">
-        <p14:creationId xmlns:p14="http://schemas.microsoft.com/office/powerpoint/2010/main" val="3041769358"/>
+        <p14:creationId xmlns:p14="http://schemas.microsoft.com/office/powerpoint/2010/main" val="3634778812"/>
+      </p:ext>
+    </p:extLst>
+  </p:cSld>
+  <p:clrMapOvr>
+    <a:masterClrMapping/>
+  </p:clrMapOvr>
+</p:notes>
+</file>
+
+<file path=ppt/notesSlides/notesSlide19.xml><?xml version="1.0" encoding="utf-8"?>
+<p:notes xmlns:a="http://schemas.openxmlformats.org/drawingml/2006/main" xmlns:r="http://schemas.openxmlformats.org/officeDocument/2006/relationships" xmlns:p="http://schemas.openxmlformats.org/presentationml/2006/main" showMasterSp="0" showMasterPhAnim="0">
+  <p:cSld>
+    <p:spTree>
+      <p:nvGrpSpPr>
+        <p:cNvPr id="1" name="Shape 149"/>
+        <p:cNvGrpSpPr/>
+        <p:nvPr/>
+      </p:nvGrpSpPr>
+      <p:grpSpPr>
+        <a:xfrm>
+          <a:off x="0" y="0"/>
+          <a:ext cx="0" cy="0"/>
+          <a:chOff x="0" y="0"/>
+          <a:chExt cx="0" cy="0"/>
+        </a:xfrm>
+      </p:grpSpPr>
+      <p:sp>
+        <p:nvSpPr>
+          <p:cNvPr id="150" name="Google Shape;150;g75c22de780_0_78:notes"/>
+          <p:cNvSpPr>
+            <a:spLocks noGrp="1" noRot="1" noChangeAspect="1"/>
+          </p:cNvSpPr>
+          <p:nvPr>
+            <p:ph type="sldImg" idx="2"/>
+          </p:nvPr>
+        </p:nvSpPr>
+        <p:spPr>
+          <a:xfrm>
+            <a:off x="381000" y="685800"/>
+            <a:ext cx="6096000" cy="3429000"/>
+          </a:xfrm>
+          <a:custGeom>
+            <a:avLst/>
+            <a:gdLst/>
+            <a:ahLst/>
+            <a:cxnLst/>
+            <a:rect l="l" t="t" r="r" b="b"/>
+            <a:pathLst>
+              <a:path w="120000" h="120000" extrusionOk="0">
+                <a:moveTo>
+                  <a:pt x="0" y="0"/>
+                </a:moveTo>
+                <a:lnTo>
+                  <a:pt x="120000" y="0"/>
+                </a:lnTo>
+                <a:lnTo>
+                  <a:pt x="120000" y="120000"/>
+                </a:lnTo>
+                <a:lnTo>
+                  <a:pt x="0" y="120000"/>
+                </a:lnTo>
+                <a:close/>
+              </a:path>
+            </a:pathLst>
+          </a:custGeom>
+        </p:spPr>
+      </p:sp>
+      <p:sp>
+        <p:nvSpPr>
+          <p:cNvPr id="151" name="Google Shape;151;g75c22de780_0_78:notes"/>
+          <p:cNvSpPr txBox="1">
+            <a:spLocks noGrp="1"/>
+          </p:cNvSpPr>
+          <p:nvPr>
+            <p:ph type="body" idx="1"/>
+          </p:nvPr>
+        </p:nvSpPr>
+        <p:spPr>
+          <a:xfrm>
+            <a:off x="685800" y="4343400"/>
+            <a:ext cx="5486400" cy="4114800"/>
+          </a:xfrm>
+          <a:prstGeom prst="rect">
+            <a:avLst/>
+          </a:prstGeom>
+        </p:spPr>
+        <p:txBody>
+          <a:bodyPr spcFirstLastPara="1" wrap="square" lIns="91425" tIns="91425" rIns="91425" bIns="91425" anchor="t" anchorCtr="0">
+            <a:noAutofit/>
+          </a:bodyPr>
+          <a:lstStyle/>
+          <a:p>
+            <a:pPr marL="0" lvl="0" indent="0" algn="l" rtl="0">
+              <a:spcBef>
+                <a:spcPts val="0"/>
+              </a:spcBef>
+              <a:spcAft>
+                <a:spcPts val="0"/>
+              </a:spcAft>
+              <a:buNone/>
+            </a:pPr>
+            <a:endParaRPr/>
+          </a:p>
+        </p:txBody>
+      </p:sp>
+    </p:spTree>
+    <p:extLst>
+      <p:ext uri="{BB962C8B-B14F-4D97-AF65-F5344CB8AC3E}">
+        <p14:creationId xmlns:p14="http://schemas.microsoft.com/office/powerpoint/2010/main" val="1680397325"/>
       </p:ext>
     </p:extLst>
   </p:cSld>
@@ -1931,6 +2042,115 @@
     <p:extLst>
       <p:ext uri="{BB962C8B-B14F-4D97-AF65-F5344CB8AC3E}">
         <p14:creationId xmlns:p14="http://schemas.microsoft.com/office/powerpoint/2010/main" val="897077297"/>
+      </p:ext>
+    </p:extLst>
+  </p:cSld>
+  <p:clrMapOvr>
+    <a:masterClrMapping/>
+  </p:clrMapOvr>
+</p:notes>
+</file>
+
+<file path=ppt/notesSlides/notesSlide20.xml><?xml version="1.0" encoding="utf-8"?>
+<p:notes xmlns:a="http://schemas.openxmlformats.org/drawingml/2006/main" xmlns:r="http://schemas.openxmlformats.org/officeDocument/2006/relationships" xmlns:p="http://schemas.openxmlformats.org/presentationml/2006/main" showMasterSp="0" showMasterPhAnim="0">
+  <p:cSld>
+    <p:spTree>
+      <p:nvGrpSpPr>
+        <p:cNvPr id="1" name="Shape 195"/>
+        <p:cNvGrpSpPr/>
+        <p:nvPr/>
+      </p:nvGrpSpPr>
+      <p:grpSpPr>
+        <a:xfrm>
+          <a:off x="0" y="0"/>
+          <a:ext cx="0" cy="0"/>
+          <a:chOff x="0" y="0"/>
+          <a:chExt cx="0" cy="0"/>
+        </a:xfrm>
+      </p:grpSpPr>
+      <p:sp>
+        <p:nvSpPr>
+          <p:cNvPr id="196" name="Google Shape;196;g75c22de780_0_83:notes"/>
+          <p:cNvSpPr>
+            <a:spLocks noGrp="1" noRot="1" noChangeAspect="1"/>
+          </p:cNvSpPr>
+          <p:nvPr>
+            <p:ph type="sldImg" idx="2"/>
+          </p:nvPr>
+        </p:nvSpPr>
+        <p:spPr>
+          <a:xfrm>
+            <a:off x="381000" y="685800"/>
+            <a:ext cx="6096000" cy="3429000"/>
+          </a:xfrm>
+          <a:custGeom>
+            <a:avLst/>
+            <a:gdLst/>
+            <a:ahLst/>
+            <a:cxnLst/>
+            <a:rect l="l" t="t" r="r" b="b"/>
+            <a:pathLst>
+              <a:path w="120000" h="120000" extrusionOk="0">
+                <a:moveTo>
+                  <a:pt x="0" y="0"/>
+                </a:moveTo>
+                <a:lnTo>
+                  <a:pt x="120000" y="0"/>
+                </a:lnTo>
+                <a:lnTo>
+                  <a:pt x="120000" y="120000"/>
+                </a:lnTo>
+                <a:lnTo>
+                  <a:pt x="0" y="120000"/>
+                </a:lnTo>
+                <a:close/>
+              </a:path>
+            </a:pathLst>
+          </a:custGeom>
+        </p:spPr>
+      </p:sp>
+      <p:sp>
+        <p:nvSpPr>
+          <p:cNvPr id="197" name="Google Shape;197;g75c22de780_0_83:notes"/>
+          <p:cNvSpPr txBox="1">
+            <a:spLocks noGrp="1"/>
+          </p:cNvSpPr>
+          <p:nvPr>
+            <p:ph type="body" idx="1"/>
+          </p:nvPr>
+        </p:nvSpPr>
+        <p:spPr>
+          <a:xfrm>
+            <a:off x="685800" y="4343400"/>
+            <a:ext cx="5486400" cy="4114800"/>
+          </a:xfrm>
+          <a:prstGeom prst="rect">
+            <a:avLst/>
+          </a:prstGeom>
+        </p:spPr>
+        <p:txBody>
+          <a:bodyPr spcFirstLastPara="1" wrap="square" lIns="91425" tIns="91425" rIns="91425" bIns="91425" anchor="t" anchorCtr="0">
+            <a:noAutofit/>
+          </a:bodyPr>
+          <a:lstStyle/>
+          <a:p>
+            <a:pPr marL="0" lvl="0" indent="0" algn="l" rtl="0">
+              <a:spcBef>
+                <a:spcPts val="0"/>
+              </a:spcBef>
+              <a:spcAft>
+                <a:spcPts val="0"/>
+              </a:spcAft>
+              <a:buNone/>
+            </a:pPr>
+            <a:endParaRPr/>
+          </a:p>
+        </p:txBody>
+      </p:sp>
+    </p:spTree>
+    <p:extLst>
+      <p:ext uri="{BB962C8B-B14F-4D97-AF65-F5344CB8AC3E}">
+        <p14:creationId xmlns:p14="http://schemas.microsoft.com/office/powerpoint/2010/main" val="3041769358"/>
       </p:ext>
     </p:extLst>
   </p:cSld>
@@ -9591,8 +9811,27 @@
             </a:r>
             <a:r>
               <a:rPr lang="en-US" dirty="0"/>
-              <a:t> that verified our SPEF is syntax error free.</a:t>
-            </a:r>
+              <a:t> that verified our SPEF is syntax error free</a:t>
+            </a:r>
+            <a:r>
+              <a:rPr lang="en-US" dirty="0" smtClean="0"/>
+              <a:t>.</a:t>
+            </a:r>
+          </a:p>
+          <a:p>
+            <a:r>
+              <a:rPr lang="en-US" dirty="0" smtClean="0"/>
+              <a:t>Testing stage 2 (to verify the values) was done using </a:t>
+            </a:r>
+            <a:r>
+              <a:rPr lang="en-US" dirty="0" err="1" smtClean="0"/>
+              <a:t>OpenROAD</a:t>
+            </a:r>
+            <a:r>
+              <a:rPr lang="en-US" dirty="0" smtClean="0"/>
+              <a:t> Project</a:t>
+            </a:r>
+            <a:endParaRPr lang="en-US" dirty="0"/>
           </a:p>
         </p:txBody>
       </p:sp>
@@ -9774,7 +10013,7 @@
   <p:cSld>
     <p:spTree>
       <p:nvGrpSpPr>
-        <p:cNvPr id="1" name="Shape 152"/>
+        <p:cNvPr id="1" name="Shape 164"/>
         <p:cNvGrpSpPr/>
         <p:nvPr/>
       </p:nvGrpSpPr>
@@ -9788,7 +10027,7 @@
       </p:grpSpPr>
       <p:sp>
         <p:nvSpPr>
-          <p:cNvPr id="153" name="Google Shape;153;p28"/>
+          <p:cNvPr id="165" name="Google Shape;165;p30"/>
           <p:cNvSpPr txBox="1">
             <a:spLocks noGrp="1"/>
           </p:cNvSpPr>
@@ -9822,53 +10061,74 @@
             </a:pPr>
             <a:r>
               <a:rPr lang="en"/>
-              <a:t>What needs to be done?</a:t>
+              <a:t>Testcase 1</a:t>
             </a:r>
             <a:endParaRPr/>
           </a:p>
         </p:txBody>
       </p:sp>
-      <p:sp>
-        <p:nvSpPr>
-          <p:cNvPr id="154" name="Google Shape;154;p28"/>
-          <p:cNvSpPr txBox="1">
-            <a:spLocks noGrp="1"/>
-          </p:cNvSpPr>
-          <p:nvPr>
-            <p:ph type="body" idx="1"/>
-          </p:nvPr>
-        </p:nvSpPr>
+      <p:pic>
+        <p:nvPicPr>
+          <p:cNvPr id="166" name="Google Shape;166;p30"/>
+          <p:cNvPicPr preferRelativeResize="0"/>
+          <p:nvPr/>
+        </p:nvPicPr>
+        <p:blipFill>
+          <a:blip r:embed="rId3">
+            <a:alphaModFix/>
+          </a:blip>
+          <a:stretch>
+            <a:fillRect/>
+          </a:stretch>
+        </p:blipFill>
         <p:spPr>
           <a:xfrm>
-            <a:off x="311700" y="1225225"/>
-            <a:ext cx="8520600" cy="3354000"/>
+            <a:off x="236400" y="156150"/>
+            <a:ext cx="4624126" cy="4460450"/>
           </a:xfrm>
           <a:prstGeom prst="rect">
             <a:avLst/>
           </a:prstGeom>
-        </p:spPr>
-        <p:txBody>
-          <a:bodyPr spcFirstLastPara="1" wrap="square" lIns="91425" tIns="91425" rIns="91425" bIns="91425" anchor="t" anchorCtr="0">
-            <a:noAutofit/>
-          </a:bodyPr>
-          <a:lstStyle/>
-          <a:p>
-            <a:r>
-              <a:rPr lang="en-US" dirty="0" smtClean="0"/>
-              <a:t>We need to handle pins on multiple metal layers.</a:t>
-            </a:r>
-            <a:endParaRPr lang="en-US" dirty="0"/>
-          </a:p>
-          <a:p>
-            <a:r>
-              <a:rPr lang="en-US" dirty="0" smtClean="0"/>
-              <a:t>Further work on testing and validating the values from the SPEF.</a:t>
-            </a:r>
-            <a:endParaRPr lang="en-US" dirty="0"/>
-          </a:p>
-        </p:txBody>
-      </p:sp>
+          <a:noFill/>
+          <a:ln>
+            <a:noFill/>
+          </a:ln>
+        </p:spPr>
+      </p:pic>
+      <p:pic>
+        <p:nvPicPr>
+          <p:cNvPr id="167" name="Google Shape;167;p30"/>
+          <p:cNvPicPr preferRelativeResize="0"/>
+          <p:nvPr/>
+        </p:nvPicPr>
+        <p:blipFill>
+          <a:blip r:embed="rId4">
+            <a:alphaModFix/>
+          </a:blip>
+          <a:stretch>
+            <a:fillRect/>
+          </a:stretch>
+        </p:blipFill>
+        <p:spPr>
+          <a:xfrm>
+            <a:off x="4399500" y="0"/>
+            <a:ext cx="4624124" cy="4698800"/>
+          </a:xfrm>
+          <a:prstGeom prst="rect">
+            <a:avLst/>
+          </a:prstGeom>
+          <a:noFill/>
+          <a:ln>
+            <a:noFill/>
+          </a:ln>
+        </p:spPr>
+      </p:pic>
     </p:spTree>
+    <p:extLst>
+      <p:ext uri="{BB962C8B-B14F-4D97-AF65-F5344CB8AC3E}">
+        <p14:creationId xmlns:p14="http://schemas.microsoft.com/office/powerpoint/2010/main" val="3921725538"/>
+      </p:ext>
+    </p:extLst>
   </p:cSld>
   <p:clrMapOvr>
     <a:masterClrMapping/>
@@ -9881,7 +10141,7 @@
   <p:cSld>
     <p:spTree>
       <p:nvGrpSpPr>
-        <p:cNvPr id="1" name=""/>
+        <p:cNvPr id="1" name="Shape 171"/>
         <p:cNvGrpSpPr/>
         <p:nvPr/>
       </p:nvGrpSpPr>
@@ -9895,8 +10155,8 @@
       </p:grpSpPr>
       <p:sp>
         <p:nvSpPr>
-          <p:cNvPr id="2" name="Title 1"/>
-          <p:cNvSpPr>
+          <p:cNvPr id="172" name="Google Shape;172;p31"/>
+          <p:cNvSpPr txBox="1">
             <a:spLocks noGrp="1"/>
           </p:cNvSpPr>
           <p:nvPr>
@@ -9905,30 +10165,36 @@
         </p:nvSpPr>
         <p:spPr>
           <a:xfrm>
-            <a:off x="239781" y="0"/>
+            <a:off x="311700" y="315925"/>
             <a:ext cx="8520600" cy="831300"/>
           </a:xfrm>
+          <a:prstGeom prst="rect">
+            <a:avLst/>
+          </a:prstGeom>
         </p:spPr>
         <p:txBody>
-          <a:bodyPr/>
+          <a:bodyPr spcFirstLastPara="1" wrap="square" lIns="91425" tIns="91425" rIns="91425" bIns="91425" anchor="b" anchorCtr="0">
+            <a:noAutofit/>
+          </a:bodyPr>
           <a:lstStyle/>
           <a:p>
-            <a:r>
-              <a:rPr lang="en-US" dirty="0" err="1" smtClean="0"/>
-              <a:t>Testcases</a:t>
-            </a:r>
-            <a:r>
-              <a:rPr lang="en-US" dirty="0" smtClean="0"/>
-              <a:t>:</a:t>
-            </a:r>
-            <a:endParaRPr lang="en-US" dirty="0"/>
+            <a:pPr marL="0" lvl="0" indent="0" algn="l" rtl="0">
+              <a:spcBef>
+                <a:spcPts val="0"/>
+              </a:spcBef>
+              <a:spcAft>
+                <a:spcPts val="0"/>
+              </a:spcAft>
+              <a:buNone/>
+            </a:pPr>
+            <a:endParaRPr/>
           </a:p>
         </p:txBody>
       </p:sp>
       <p:sp>
         <p:nvSpPr>
-          <p:cNvPr id="3" name="Text Placeholder 2"/>
-          <p:cNvSpPr>
+          <p:cNvPr id="173" name="Google Shape;173;p31"/>
+          <p:cNvSpPr txBox="1">
             <a:spLocks noGrp="1"/>
           </p:cNvSpPr>
           <p:nvPr>
@@ -9937,192 +10203,64 @@
         </p:nvSpPr>
         <p:spPr>
           <a:xfrm>
-            <a:off x="239781" y="752614"/>
+            <a:off x="311700" y="1225225"/>
             <a:ext cx="8520600" cy="3354000"/>
           </a:xfrm>
+          <a:prstGeom prst="rect">
+            <a:avLst/>
+          </a:prstGeom>
         </p:spPr>
         <p:txBody>
-          <a:bodyPr/>
+          <a:bodyPr spcFirstLastPara="1" wrap="square" lIns="91425" tIns="91425" rIns="91425" bIns="91425" anchor="t" anchorCtr="0">
+            <a:noAutofit/>
+          </a:bodyPr>
           <a:lstStyle/>
           <a:p>
-            <a:r>
-              <a:rPr lang="en-US" dirty="0" err="1" smtClean="0"/>
-              <a:t>spi_master</a:t>
-            </a:r>
-            <a:endParaRPr lang="en-US" dirty="0" smtClean="0"/>
-          </a:p>
-          <a:p>
-            <a:r>
-              <a:rPr lang="en-US" dirty="0" smtClean="0"/>
-              <a:t>At a clock of 10 ns:</a:t>
-            </a:r>
-          </a:p>
-          <a:p>
-            <a:pPr lvl="1"/>
-            <a:r>
-              <a:rPr lang="en-US" dirty="0" smtClean="0"/>
-              <a:t>Without wire </a:t>
-            </a:r>
-            <a:r>
-              <a:rPr lang="en-US" dirty="0" err="1" smtClean="0"/>
-              <a:t>parasitics</a:t>
-            </a:r>
-            <a:r>
-              <a:rPr lang="en-US" dirty="0" smtClean="0"/>
-              <a:t>: slack = 3.57 ns</a:t>
-            </a:r>
-          </a:p>
-          <a:p>
-            <a:pPr lvl="1"/>
-            <a:r>
-              <a:rPr lang="en-US" dirty="0" smtClean="0"/>
-              <a:t>With </a:t>
-            </a:r>
-            <a:r>
-              <a:rPr lang="en-US" dirty="0" err="1" smtClean="0"/>
-              <a:t>Spef</a:t>
-            </a:r>
-            <a:r>
-              <a:rPr lang="en-US" dirty="0" smtClean="0"/>
-              <a:t> (using </a:t>
-            </a:r>
-            <a:r>
-              <a:rPr lang="en-US" dirty="0" err="1" smtClean="0"/>
-              <a:t>OpenSTA</a:t>
-            </a:r>
-            <a:r>
-              <a:rPr lang="en-US" dirty="0" smtClean="0"/>
-              <a:t>): slack = 3.45 ns</a:t>
-            </a:r>
-          </a:p>
-          <a:p>
-            <a:pPr lvl="1"/>
-            <a:r>
-              <a:rPr lang="en-US" dirty="0" smtClean="0"/>
-              <a:t>With </a:t>
-            </a:r>
-            <a:r>
-              <a:rPr lang="en-US" dirty="0" err="1" smtClean="0"/>
-              <a:t>set_rc</a:t>
-            </a:r>
-            <a:r>
-              <a:rPr lang="en-US" dirty="0" smtClean="0"/>
-              <a:t> Command using </a:t>
-            </a:r>
-            <a:r>
-              <a:rPr lang="en-US" dirty="0" err="1" smtClean="0"/>
-              <a:t>Openroad</a:t>
-            </a:r>
-            <a:r>
-              <a:rPr lang="en-US" dirty="0" smtClean="0"/>
-              <a:t>: slack = 3.55 ns </a:t>
-            </a:r>
-          </a:p>
-          <a:p>
-            <a:r>
-              <a:rPr lang="en-US" dirty="0" err="1" smtClean="0"/>
-              <a:t>rle_rec.v</a:t>
-            </a:r>
-            <a:r>
-              <a:rPr lang="en-US" dirty="0" smtClean="0"/>
-              <a:t>:</a:t>
-            </a:r>
-          </a:p>
-          <a:p>
-            <a:r>
-              <a:rPr lang="en-US" dirty="0"/>
-              <a:t>At a clock of 10 ns:</a:t>
-            </a:r>
-          </a:p>
-          <a:p>
-            <a:pPr lvl="1"/>
-            <a:r>
-              <a:rPr lang="en-US" dirty="0"/>
-              <a:t>Without wire </a:t>
-            </a:r>
-            <a:r>
-              <a:rPr lang="en-US" dirty="0" err="1"/>
-              <a:t>parasitics</a:t>
-            </a:r>
-            <a:r>
-              <a:rPr lang="en-US" dirty="0"/>
-              <a:t>: slack = </a:t>
-            </a:r>
-            <a:r>
-              <a:rPr lang="en-US" dirty="0"/>
-              <a:t>7.47</a:t>
-            </a:r>
-            <a:r>
-              <a:rPr lang="en-US" dirty="0" smtClean="0"/>
-              <a:t>ns</a:t>
-            </a:r>
-          </a:p>
-          <a:p>
-            <a:pPr lvl="1"/>
-            <a:r>
-              <a:rPr lang="en-US" dirty="0"/>
-              <a:t>With </a:t>
-            </a:r>
-            <a:r>
-              <a:rPr lang="en-US" dirty="0" err="1"/>
-              <a:t>Spef</a:t>
-            </a:r>
-            <a:r>
-              <a:rPr lang="en-US" dirty="0"/>
-              <a:t> (using </a:t>
-            </a:r>
-            <a:r>
-              <a:rPr lang="en-US" dirty="0" err="1"/>
-              <a:t>OpenSTA</a:t>
-            </a:r>
-            <a:r>
-              <a:rPr lang="en-US" dirty="0"/>
-              <a:t>): slack = </a:t>
-            </a:r>
-            <a:r>
-              <a:rPr lang="en-US" dirty="0" smtClean="0"/>
-              <a:t>5.45 ns</a:t>
-            </a:r>
-            <a:endParaRPr lang="en-US" dirty="0"/>
-          </a:p>
-          <a:p>
-            <a:pPr lvl="1"/>
-            <a:r>
-              <a:rPr lang="en-US" dirty="0"/>
-              <a:t>With </a:t>
-            </a:r>
-            <a:r>
-              <a:rPr lang="en-US" dirty="0" err="1"/>
-              <a:t>set_rc</a:t>
-            </a:r>
-            <a:r>
-              <a:rPr lang="en-US" dirty="0"/>
-              <a:t> Command using </a:t>
-            </a:r>
-            <a:r>
-              <a:rPr lang="en-US" dirty="0" err="1"/>
-              <a:t>Openroad</a:t>
-            </a:r>
-            <a:r>
-              <a:rPr lang="en-US" dirty="0"/>
-              <a:t>: slack = </a:t>
-            </a:r>
-            <a:r>
-              <a:rPr lang="en-US" dirty="0" smtClean="0"/>
-              <a:t>7.45 ns</a:t>
-            </a:r>
-            <a:endParaRPr lang="en-US" dirty="0"/>
-          </a:p>
-          <a:p>
-            <a:pPr lvl="1"/>
-            <a:endParaRPr lang="en-US" dirty="0"/>
+            <a:pPr marL="0" lvl="0" indent="0" algn="l" rtl="0">
+              <a:spcBef>
+                <a:spcPts val="0"/>
+              </a:spcBef>
+              <a:spcAft>
+                <a:spcPts val="1600"/>
+              </a:spcAft>
+              <a:buNone/>
+            </a:pPr>
+            <a:endParaRPr/>
           </a:p>
         </p:txBody>
       </p:sp>
+      <p:pic>
+        <p:nvPicPr>
+          <p:cNvPr id="174" name="Google Shape;174;p31"/>
+          <p:cNvPicPr preferRelativeResize="0"/>
+          <p:nvPr/>
+        </p:nvPicPr>
+        <p:blipFill>
+          <a:blip r:embed="rId3">
+            <a:alphaModFix/>
+          </a:blip>
+          <a:stretch>
+            <a:fillRect/>
+          </a:stretch>
+        </p:blipFill>
+        <p:spPr>
+          <a:xfrm>
+            <a:off x="0" y="348532"/>
+            <a:ext cx="9144001" cy="4446437"/>
+          </a:xfrm>
+          <a:prstGeom prst="rect">
+            <a:avLst/>
+          </a:prstGeom>
+          <a:noFill/>
+          <a:ln>
+            <a:noFill/>
+          </a:ln>
+        </p:spPr>
+      </p:pic>
     </p:spTree>
     <p:extLst>
       <p:ext uri="{BB962C8B-B14F-4D97-AF65-F5344CB8AC3E}">
-        <p14:creationId xmlns:p14="http://schemas.microsoft.com/office/powerpoint/2010/main" val="2193196846"/>
+        <p14:creationId xmlns:p14="http://schemas.microsoft.com/office/powerpoint/2010/main" val="2971039306"/>
       </p:ext>
     </p:extLst>
   </p:cSld>
@@ -10281,6 +10419,365 @@
   <p:cSld>
     <p:spTree>
       <p:nvGrpSpPr>
+        <p:cNvPr id="1" name="Shape 152"/>
+        <p:cNvGrpSpPr/>
+        <p:nvPr/>
+      </p:nvGrpSpPr>
+      <p:grpSpPr>
+        <a:xfrm>
+          <a:off x="0" y="0"/>
+          <a:ext cx="0" cy="0"/>
+          <a:chOff x="0" y="0"/>
+          <a:chExt cx="0" cy="0"/>
+        </a:xfrm>
+      </p:grpSpPr>
+      <p:sp>
+        <p:nvSpPr>
+          <p:cNvPr id="153" name="Google Shape;153;p28"/>
+          <p:cNvSpPr txBox="1">
+            <a:spLocks noGrp="1"/>
+          </p:cNvSpPr>
+          <p:nvPr>
+            <p:ph type="title"/>
+          </p:nvPr>
+        </p:nvSpPr>
+        <p:spPr>
+          <a:xfrm>
+            <a:off x="311700" y="315925"/>
+            <a:ext cx="8520600" cy="831300"/>
+          </a:xfrm>
+          <a:prstGeom prst="rect">
+            <a:avLst/>
+          </a:prstGeom>
+        </p:spPr>
+        <p:txBody>
+          <a:bodyPr spcFirstLastPara="1" wrap="square" lIns="91425" tIns="91425" rIns="91425" bIns="91425" anchor="b" anchorCtr="0">
+            <a:noAutofit/>
+          </a:bodyPr>
+          <a:lstStyle/>
+          <a:p>
+            <a:pPr marL="0" lvl="0" indent="0" algn="l" rtl="0">
+              <a:spcBef>
+                <a:spcPts val="0"/>
+              </a:spcBef>
+              <a:spcAft>
+                <a:spcPts val="0"/>
+              </a:spcAft>
+              <a:buNone/>
+            </a:pPr>
+            <a:r>
+              <a:rPr lang="en"/>
+              <a:t>What needs to be done?</a:t>
+            </a:r>
+            <a:endParaRPr/>
+          </a:p>
+        </p:txBody>
+      </p:sp>
+      <p:sp>
+        <p:nvSpPr>
+          <p:cNvPr id="154" name="Google Shape;154;p28"/>
+          <p:cNvSpPr txBox="1">
+            <a:spLocks noGrp="1"/>
+          </p:cNvSpPr>
+          <p:nvPr>
+            <p:ph type="body" idx="1"/>
+          </p:nvPr>
+        </p:nvSpPr>
+        <p:spPr>
+          <a:xfrm>
+            <a:off x="311700" y="1225225"/>
+            <a:ext cx="8520600" cy="3354000"/>
+          </a:xfrm>
+          <a:prstGeom prst="rect">
+            <a:avLst/>
+          </a:prstGeom>
+        </p:spPr>
+        <p:txBody>
+          <a:bodyPr spcFirstLastPara="1" wrap="square" lIns="91425" tIns="91425" rIns="91425" bIns="91425" anchor="t" anchorCtr="0">
+            <a:noAutofit/>
+          </a:bodyPr>
+          <a:lstStyle/>
+          <a:p>
+            <a:r>
+              <a:rPr lang="en-US" dirty="0" smtClean="0"/>
+              <a:t>We need to handle pins on multiple metal layers.</a:t>
+            </a:r>
+            <a:endParaRPr lang="en-US" dirty="0"/>
+          </a:p>
+          <a:p>
+            <a:r>
+              <a:rPr lang="en-US" dirty="0" smtClean="0"/>
+              <a:t>Further work on testing and validating the values from the SPEF.</a:t>
+            </a:r>
+            <a:endParaRPr lang="en-US" dirty="0"/>
+          </a:p>
+        </p:txBody>
+      </p:sp>
+    </p:spTree>
+  </p:cSld>
+  <p:clrMapOvr>
+    <a:masterClrMapping/>
+  </p:clrMapOvr>
+</p:sld>
+</file>
+
+<file path=ppt/slides/slide21.xml><?xml version="1.0" encoding="utf-8"?>
+<p:sld xmlns:a="http://schemas.openxmlformats.org/drawingml/2006/main" xmlns:r="http://schemas.openxmlformats.org/officeDocument/2006/relationships" xmlns:p="http://schemas.openxmlformats.org/presentationml/2006/main">
+  <p:cSld>
+    <p:spTree>
+      <p:nvGrpSpPr>
+        <p:cNvPr id="1" name=""/>
+        <p:cNvGrpSpPr/>
+        <p:nvPr/>
+      </p:nvGrpSpPr>
+      <p:grpSpPr>
+        <a:xfrm>
+          <a:off x="0" y="0"/>
+          <a:ext cx="0" cy="0"/>
+          <a:chOff x="0" y="0"/>
+          <a:chExt cx="0" cy="0"/>
+        </a:xfrm>
+      </p:grpSpPr>
+      <p:sp>
+        <p:nvSpPr>
+          <p:cNvPr id="2" name="Title 1"/>
+          <p:cNvSpPr>
+            <a:spLocks noGrp="1"/>
+          </p:cNvSpPr>
+          <p:nvPr>
+            <p:ph type="title"/>
+          </p:nvPr>
+        </p:nvSpPr>
+        <p:spPr>
+          <a:xfrm>
+            <a:off x="239781" y="0"/>
+            <a:ext cx="8520600" cy="831300"/>
+          </a:xfrm>
+        </p:spPr>
+        <p:txBody>
+          <a:bodyPr/>
+          <a:lstStyle/>
+          <a:p>
+            <a:r>
+              <a:rPr lang="en-US" dirty="0" err="1" smtClean="0"/>
+              <a:t>Testcases</a:t>
+            </a:r>
+            <a:r>
+              <a:rPr lang="en-US" dirty="0" smtClean="0"/>
+              <a:t>:</a:t>
+            </a:r>
+            <a:endParaRPr lang="en-US" dirty="0"/>
+          </a:p>
+        </p:txBody>
+      </p:sp>
+      <p:sp>
+        <p:nvSpPr>
+          <p:cNvPr id="3" name="Text Placeholder 2"/>
+          <p:cNvSpPr>
+            <a:spLocks noGrp="1"/>
+          </p:cNvSpPr>
+          <p:nvPr>
+            <p:ph type="body" idx="1"/>
+          </p:nvPr>
+        </p:nvSpPr>
+        <p:spPr>
+          <a:xfrm>
+            <a:off x="239781" y="752614"/>
+            <a:ext cx="8520600" cy="3354000"/>
+          </a:xfrm>
+        </p:spPr>
+        <p:txBody>
+          <a:bodyPr/>
+          <a:lstStyle/>
+          <a:p>
+            <a:r>
+              <a:rPr lang="en-US" dirty="0" err="1" smtClean="0"/>
+              <a:t>spi_master</a:t>
+            </a:r>
+            <a:endParaRPr lang="en-US" dirty="0" smtClean="0"/>
+          </a:p>
+          <a:p>
+            <a:r>
+              <a:rPr lang="en-US" dirty="0" smtClean="0"/>
+              <a:t>At a clock of 10 ns:</a:t>
+            </a:r>
+          </a:p>
+          <a:p>
+            <a:pPr lvl="1"/>
+            <a:r>
+              <a:rPr lang="en-US" dirty="0" smtClean="0"/>
+              <a:t>Without wire </a:t>
+            </a:r>
+            <a:r>
+              <a:rPr lang="en-US" dirty="0" err="1" smtClean="0"/>
+              <a:t>parasitics</a:t>
+            </a:r>
+            <a:r>
+              <a:rPr lang="en-US" dirty="0" smtClean="0"/>
+              <a:t>: slack = 3.57 ns</a:t>
+            </a:r>
+          </a:p>
+          <a:p>
+            <a:pPr lvl="1"/>
+            <a:r>
+              <a:rPr lang="en-US" dirty="0" smtClean="0"/>
+              <a:t>With </a:t>
+            </a:r>
+            <a:r>
+              <a:rPr lang="en-US" dirty="0" err="1" smtClean="0"/>
+              <a:t>Spef</a:t>
+            </a:r>
+            <a:r>
+              <a:rPr lang="en-US" dirty="0" smtClean="0"/>
+              <a:t> (using </a:t>
+            </a:r>
+            <a:r>
+              <a:rPr lang="en-US" dirty="0" err="1" smtClean="0"/>
+              <a:t>OpenSTA</a:t>
+            </a:r>
+            <a:r>
+              <a:rPr lang="en-US" dirty="0" smtClean="0"/>
+              <a:t>): slack = 3.45 ns</a:t>
+            </a:r>
+          </a:p>
+          <a:p>
+            <a:pPr lvl="1"/>
+            <a:r>
+              <a:rPr lang="en-US" dirty="0" smtClean="0"/>
+              <a:t>With </a:t>
+            </a:r>
+            <a:r>
+              <a:rPr lang="en-US" dirty="0" err="1" smtClean="0"/>
+              <a:t>set_rc</a:t>
+            </a:r>
+            <a:r>
+              <a:rPr lang="en-US" dirty="0" smtClean="0"/>
+              <a:t> Command using </a:t>
+            </a:r>
+            <a:r>
+              <a:rPr lang="en-US" dirty="0" err="1" smtClean="0"/>
+              <a:t>Openroad</a:t>
+            </a:r>
+            <a:r>
+              <a:rPr lang="en-US" dirty="0" smtClean="0"/>
+              <a:t>: slack = 3.55 ns </a:t>
+            </a:r>
+          </a:p>
+          <a:p>
+            <a:r>
+              <a:rPr lang="en-US" dirty="0" err="1" smtClean="0"/>
+              <a:t>rle_rec.v</a:t>
+            </a:r>
+            <a:r>
+              <a:rPr lang="en-US" dirty="0" smtClean="0"/>
+              <a:t>:</a:t>
+            </a:r>
+          </a:p>
+          <a:p>
+            <a:r>
+              <a:rPr lang="en-US" dirty="0"/>
+              <a:t>At a clock of 10 ns:</a:t>
+            </a:r>
+          </a:p>
+          <a:p>
+            <a:pPr lvl="1"/>
+            <a:r>
+              <a:rPr lang="en-US" dirty="0"/>
+              <a:t>Without wire </a:t>
+            </a:r>
+            <a:r>
+              <a:rPr lang="en-US" dirty="0" err="1"/>
+              <a:t>parasitics</a:t>
+            </a:r>
+            <a:r>
+              <a:rPr lang="en-US" dirty="0"/>
+              <a:t>: slack = 7.47</a:t>
+            </a:r>
+            <a:r>
+              <a:rPr lang="en-US" dirty="0" smtClean="0"/>
+              <a:t>ns</a:t>
+            </a:r>
+          </a:p>
+          <a:p>
+            <a:pPr lvl="1"/>
+            <a:r>
+              <a:rPr lang="en-US" dirty="0"/>
+              <a:t>With </a:t>
+            </a:r>
+            <a:r>
+              <a:rPr lang="en-US" dirty="0" err="1"/>
+              <a:t>Spef</a:t>
+            </a:r>
+            <a:r>
+              <a:rPr lang="en-US" dirty="0"/>
+              <a:t> (using </a:t>
+            </a:r>
+            <a:r>
+              <a:rPr lang="en-US" dirty="0" err="1"/>
+              <a:t>OpenSTA</a:t>
+            </a:r>
+            <a:r>
+              <a:rPr lang="en-US" dirty="0"/>
+              <a:t>): slack = </a:t>
+            </a:r>
+            <a:r>
+              <a:rPr lang="en-US" dirty="0" smtClean="0"/>
+              <a:t>5.45 ns</a:t>
+            </a:r>
+            <a:endParaRPr lang="en-US" dirty="0"/>
+          </a:p>
+          <a:p>
+            <a:pPr lvl="1"/>
+            <a:r>
+              <a:rPr lang="en-US" dirty="0"/>
+              <a:t>With </a:t>
+            </a:r>
+            <a:r>
+              <a:rPr lang="en-US" dirty="0" err="1"/>
+              <a:t>set_rc</a:t>
+            </a:r>
+            <a:r>
+              <a:rPr lang="en-US" dirty="0"/>
+              <a:t> Command using </a:t>
+            </a:r>
+            <a:r>
+              <a:rPr lang="en-US" dirty="0" err="1"/>
+              <a:t>Openroad</a:t>
+            </a:r>
+            <a:r>
+              <a:rPr lang="en-US" dirty="0"/>
+              <a:t>: slack = </a:t>
+            </a:r>
+            <a:r>
+              <a:rPr lang="en-US" dirty="0" smtClean="0"/>
+              <a:t>7.45 ns</a:t>
+            </a:r>
+            <a:endParaRPr lang="en-US" dirty="0"/>
+          </a:p>
+          <a:p>
+            <a:pPr lvl="1"/>
+            <a:endParaRPr lang="en-US" dirty="0"/>
+          </a:p>
+        </p:txBody>
+      </p:sp>
+    </p:spTree>
+    <p:extLst>
+      <p:ext uri="{BB962C8B-B14F-4D97-AF65-F5344CB8AC3E}">
+        <p14:creationId xmlns:p14="http://schemas.microsoft.com/office/powerpoint/2010/main" val="2193196846"/>
+      </p:ext>
+    </p:extLst>
+  </p:cSld>
+  <p:clrMapOvr>
+    <a:masterClrMapping/>
+  </p:clrMapOvr>
+</p:sld>
+</file>
+
+<file path=ppt/slides/slide22.xml><?xml version="1.0" encoding="utf-8"?>
+<p:sld xmlns:a="http://schemas.openxmlformats.org/drawingml/2006/main" xmlns:r="http://schemas.openxmlformats.org/officeDocument/2006/relationships" xmlns:p="http://schemas.openxmlformats.org/presentationml/2006/main">
+  <p:cSld>
+    <p:spTree>
+      <p:nvGrpSpPr>
         <p:cNvPr id="1" name="Shape 198"/>
         <p:cNvGrpSpPr/>
         <p:nvPr/>
@@ -10497,7 +10994,7 @@
         <p:spPr>
           <a:xfrm>
             <a:off x="4818580" y="1147225"/>
-            <a:ext cx="4147284" cy="3539430"/>
+            <a:ext cx="4147284" cy="3108543"/>
           </a:xfrm>
           <a:prstGeom prst="rect">
             <a:avLst/>
@@ -10580,13 +11077,12 @@
             </a:r>
             <a:r>
               <a:rPr lang="en-US" dirty="0"/>
-              <a:t> - </a:t>
-            </a:r>
-            <a:r>
-              <a:rPr lang="en-US" dirty="0" err="1"/>
-              <a:t>Hany</a:t>
-            </a:r>
-            <a:endParaRPr lang="en-US" dirty="0"/>
+              <a:t> </a:t>
+            </a:r>
+            <a:r>
+              <a:rPr lang="en-US" dirty="0" smtClean="0"/>
+              <a:t>– Hany</a:t>
+            </a:r>
           </a:p>
           <a:p>
             <a:pPr marL="457200" lvl="0" indent="-342900">
@@ -10594,17 +11090,10 @@
               <a:buChar char="●"/>
             </a:pPr>
             <a:r>
-              <a:rPr lang="en-US" dirty="0"/>
-              <a:t>Test cases – </a:t>
-            </a:r>
-            <a:r>
-              <a:rPr lang="en-US" dirty="0" err="1"/>
-              <a:t>Hany</a:t>
-            </a:r>
-            <a:r>
-              <a:rPr lang="en-US" dirty="0"/>
-              <a:t>/Ramez/Mahfouz</a:t>
-            </a:r>
+              <a:rPr lang="en-US" dirty="0" smtClean="0"/>
+              <a:t>Running Resizer – Hany</a:t>
+            </a:r>
+            <a:endParaRPr lang="en-US" dirty="0"/>
           </a:p>
           <a:p>
             <a:pPr marL="457200" lvl="0" indent="-342900">
@@ -10613,19 +11102,15 @@
             </a:pPr>
             <a:r>
               <a:rPr lang="en-US" dirty="0"/>
-              <a:t>Running </a:t>
-            </a:r>
-            <a:r>
-              <a:rPr lang="en-US" dirty="0" err="1" smtClean="0"/>
-              <a:t>OpenPhySyn</a:t>
-            </a:r>
-            <a:r>
-              <a:rPr lang="en-US" dirty="0" smtClean="0"/>
-              <a:t>– </a:t>
+              <a:t>Test cases – </a:t>
+            </a:r>
+            <a:r>
+              <a:rPr lang="en-US" dirty="0" err="1"/>
+              <a:t>Hany</a:t>
             </a:r>
             <a:r>
               <a:rPr lang="en-US" dirty="0"/>
-              <a:t>Mahfouz</a:t>
+              <a:t>/Ramez/Mahfouz</a:t>
             </a:r>
           </a:p>
           <a:p>
@@ -10635,13 +11120,20 @@
             </a:pPr>
             <a:r>
               <a:rPr lang="en-US" dirty="0"/>
-              <a:t>Further Documentation of the Code – </a:t>
-            </a:r>
-            <a:r>
-              <a:rPr lang="en-US" dirty="0" err="1"/>
-              <a:t>Samah</a:t>
-            </a:r>
-            <a:endParaRPr lang="en-US" dirty="0"/>
+              <a:t>Running </a:t>
+            </a:r>
+            <a:r>
+              <a:rPr lang="en-US" dirty="0" err="1" smtClean="0"/>
+              <a:t>OpenPhySyn</a:t>
+            </a:r>
+            <a:r>
+              <a:rPr lang="en-US" dirty="0" smtClean="0"/>
+              <a:t>– </a:t>
+            </a:r>
+            <a:r>
+              <a:rPr lang="en-US" dirty="0"/>
+              <a:t>Mahfouz</a:t>
+            </a:r>
           </a:p>
           <a:p>
             <a:pPr marL="457200" lvl="0" indent="-342900">
@@ -10650,8 +11142,13 @@
             </a:pPr>
             <a:r>
               <a:rPr lang="en-US" dirty="0"/>
-              <a:t>Name Mapping – Mahfouz</a:t>
-            </a:r>
+              <a:t>Further Documentation of the Code – </a:t>
+            </a:r>
+            <a:r>
+              <a:rPr lang="en-US" dirty="0" err="1"/>
+              <a:t>Samah</a:t>
+            </a:r>
+            <a:endParaRPr lang="en-US" dirty="0"/>
           </a:p>
           <a:p>
             <a:pPr marL="457200" lvl="0" indent="-342900">
@@ -10660,11 +11157,7 @@
             </a:pPr>
             <a:r>
               <a:rPr lang="en-US" dirty="0"/>
-              <a:t>Running From the Terminal </a:t>
-            </a:r>
-            <a:r>
-              <a:rPr lang="en-US" dirty="0" smtClean="0"/>
-              <a:t>– Mahfouz</a:t>
+              <a:t>Name Mapping – Mahfouz</a:t>
             </a:r>
           </a:p>
           <a:p>
@@ -10673,23 +11166,13 @@
               <a:buChar char="●"/>
             </a:pPr>
             <a:r>
-              <a:rPr lang="en-US" dirty="0" smtClean="0"/>
-              <a:t>Restructure the Directories/</a:t>
-            </a:r>
-            <a:r>
-              <a:rPr lang="en-US" dirty="0" err="1" smtClean="0"/>
-              <a:t>Dependancies</a:t>
-            </a:r>
-            <a:r>
-              <a:rPr lang="en-US" dirty="0" smtClean="0"/>
-              <a:t> for readability - Ramez</a:t>
-            </a:r>
-          </a:p>
-          <a:p>
-            <a:pPr marL="457200" lvl="0" indent="-342900">
-              <a:buSzPts val="1800"/>
-              <a:buChar char="●"/>
-            </a:pPr>
+              <a:rPr lang="en-US" dirty="0"/>
+              <a:t>Running From the Terminal </a:t>
+            </a:r>
+            <a:r>
+              <a:rPr lang="en-US" smtClean="0"/>
+              <a:t>– Mahfouz</a:t>
+            </a:r>
             <a:endParaRPr lang="en-US" dirty="0"/>
           </a:p>
           <a:p>

--- a/Presentation/SPEF Extractor MS2.pptx
+++ b/Presentation/SPEF Extractor MS2.pptx
@@ -35,14 +35,14 @@
   <p:notesSz cx="6858000" cy="9144000"/>
   <p:embeddedFontLst>
     <p:embeddedFont>
-      <p:font typeface="Open Sans" panose="020B0604020202020204" charset="0"/>
+      <p:font typeface="Economica" panose="020B0604020202020204" charset="0"/>
       <p:regular r:id="rId25"/>
       <p:bold r:id="rId26"/>
       <p:italic r:id="rId27"/>
       <p:boldItalic r:id="rId28"/>
     </p:embeddedFont>
     <p:embeddedFont>
-      <p:font typeface="Economica" panose="020B0604020202020204" charset="0"/>
+      <p:font typeface="Open Sans" panose="020B0604020202020204" charset="0"/>
       <p:regular r:id="rId29"/>
       <p:bold r:id="rId30"/>
       <p:italic r:id="rId31"/>
@@ -8508,11 +8508,7 @@
             </a:pPr>
             <a:r>
               <a:rPr lang="en" dirty="0"/>
-              <a:t>SPEF </a:t>
-            </a:r>
-            <a:r>
-              <a:rPr lang="en" dirty="0" smtClean="0"/>
-              <a:t>Extractor</a:t>
+              <a:t>SPEF Extractor</a:t>
             </a:r>
             <a:endParaRPr dirty="0"/>
           </a:p>
@@ -8634,15 +8630,9 @@
               <a:rPr lang="en-US" dirty="0">
                 <a:hlinkClick r:id="rId3"/>
               </a:rPr>
-              <a:t>https://</a:t>
-            </a:r>
-            <a:r>
-              <a:rPr lang="en-US" dirty="0" smtClean="0">
-                <a:hlinkClick r:id="rId3"/>
-              </a:rPr>
-              <a:t>github.com/HanyMoussa/SPEF-Extractor</a:t>
-            </a:r>
-            <a:endParaRPr lang="en-US" dirty="0" smtClean="0"/>
+              <a:t>https://github.com/HanyMoussa/SPEF-Extractor</a:t>
+            </a:r>
+            <a:endParaRPr lang="en-US" dirty="0"/>
           </a:p>
           <a:p>
             <a:endParaRPr lang="en-US" dirty="0"/>
@@ -9811,27 +9801,22 @@
             </a:r>
             <a:r>
               <a:rPr lang="en-US" dirty="0"/>
-              <a:t> that verified our SPEF is syntax error free</a:t>
-            </a:r>
-            <a:r>
-              <a:rPr lang="en-US" dirty="0" smtClean="0"/>
-              <a:t>.</a:t>
-            </a:r>
-          </a:p>
-          <a:p>
-            <a:r>
-              <a:rPr lang="en-US" dirty="0" smtClean="0"/>
+              <a:t> that verified our SPEF is syntax error free.</a:t>
+            </a:r>
+          </a:p>
+          <a:p>
+            <a:r>
+              <a:rPr lang="en-US" dirty="0"/>
               <a:t>Testing stage 2 (to verify the values) was done using </a:t>
             </a:r>
             <a:r>
-              <a:rPr lang="en-US" dirty="0" err="1" smtClean="0"/>
+              <a:rPr lang="en-US" dirty="0" err="1"/>
               <a:t>OpenROAD</a:t>
             </a:r>
             <a:r>
-              <a:rPr lang="en-US" dirty="0" smtClean="0"/>
+              <a:rPr lang="en-US" dirty="0"/>
               <a:t> Project</a:t>
             </a:r>
-            <a:endParaRPr lang="en-US" dirty="0"/>
           </a:p>
         </p:txBody>
       </p:sp>
@@ -9876,10 +9861,9 @@
           <a:lstStyle/>
           <a:p>
             <a:r>
-              <a:rPr lang="en-US" dirty="0" smtClean="0"/>
+              <a:rPr lang="en-US" dirty="0"/>
               <a:t>Validation/Verification Effort</a:t>
             </a:r>
-            <a:endParaRPr lang="en-US" dirty="0"/>
           </a:p>
         </p:txBody>
       </p:sp>
@@ -9903,7 +9887,7 @@
               <a:buAutoNum type="arabicPeriod"/>
             </a:pPr>
             <a:r>
-              <a:rPr lang="en-US" dirty="0" smtClean="0"/>
+              <a:rPr lang="en-US" dirty="0"/>
               <a:t>We traced the connections manually</a:t>
             </a:r>
           </a:p>
@@ -9913,23 +9897,23 @@
               <a:buAutoNum type="arabicPeriod"/>
             </a:pPr>
             <a:r>
-              <a:rPr lang="en-US" dirty="0" smtClean="0"/>
+              <a:rPr lang="en-US" dirty="0"/>
               <a:t>We learned how to use </a:t>
             </a:r>
             <a:r>
-              <a:rPr lang="en-US" dirty="0" err="1" smtClean="0"/>
+              <a:rPr lang="en-US" dirty="0" err="1"/>
               <a:t>Docker</a:t>
             </a:r>
             <a:r>
-              <a:rPr lang="en-US" dirty="0" smtClean="0"/>
+              <a:rPr lang="en-US" dirty="0"/>
               <a:t> and ran </a:t>
             </a:r>
             <a:r>
-              <a:rPr lang="en-US" dirty="0" err="1" smtClean="0"/>
+              <a:rPr lang="en-US" dirty="0" err="1"/>
               <a:t>OpenSTA</a:t>
             </a:r>
             <a:r>
-              <a:rPr lang="en-US" dirty="0" smtClean="0"/>
+              <a:rPr lang="en-US" dirty="0"/>
               <a:t> and Resizer</a:t>
             </a:r>
           </a:p>
@@ -9939,15 +9923,15 @@
               <a:buAutoNum type="arabicPeriod"/>
             </a:pPr>
             <a:r>
-              <a:rPr lang="en-US" dirty="0" smtClean="0"/>
+              <a:rPr lang="en-US" dirty="0"/>
               <a:t>We had to ‘fix’ the designs because the </a:t>
             </a:r>
             <a:r>
-              <a:rPr lang="en-US" dirty="0" err="1" smtClean="0"/>
+              <a:rPr lang="en-US" dirty="0" err="1"/>
               <a:t>def</a:t>
             </a:r>
             <a:r>
-              <a:rPr lang="en-US" dirty="0" smtClean="0"/>
+              <a:rPr lang="en-US" dirty="0"/>
               <a:t> and Verilog files were not compatible.</a:t>
             </a:r>
           </a:p>
@@ -9957,38 +9941,33 @@
               <a:buAutoNum type="arabicPeriod"/>
             </a:pPr>
             <a:r>
-              <a:rPr lang="en-US" dirty="0" smtClean="0"/>
-              <a:t>We used </a:t>
-            </a:r>
-            <a:r>
-              <a:rPr lang="en-US" dirty="0" err="1" smtClean="0"/>
-              <a:t>Ubunto</a:t>
-            </a:r>
-            <a:r>
-              <a:rPr lang="en-US" dirty="0" smtClean="0"/>
-              <a:t> to run the full </a:t>
-            </a:r>
-            <a:r>
-              <a:rPr lang="en-US" dirty="0" err="1" smtClean="0"/>
+              <a:rPr lang="en-US" dirty="0"/>
+              <a:t>We used Ubuntu to run the full </a:t>
+            </a:r>
+            <a:r>
+              <a:rPr lang="en-US" dirty="0" err="1"/>
               <a:t>Openroad</a:t>
             </a:r>
             <a:r>
-              <a:rPr lang="en-US" dirty="0" smtClean="0"/>
+              <a:rPr lang="en-US" dirty="0"/>
               <a:t> Project to use the </a:t>
             </a:r>
             <a:r>
-              <a:rPr lang="en-US" dirty="0" err="1" smtClean="0"/>
-              <a:t>set_rc</a:t>
-            </a:r>
-            <a:r>
-              <a:rPr lang="en-US" dirty="0" smtClean="0"/>
+              <a:rPr lang="en-US" dirty="0" err="1"/>
+              <a:t>set_wire_rc</a:t>
+            </a:r>
+            <a:r>
+              <a:rPr lang="en-US" dirty="0"/>
               <a:t> command provided by </a:t>
             </a:r>
             <a:r>
-              <a:rPr lang="en-US" dirty="0" err="1" smtClean="0"/>
+              <a:rPr lang="en-US" dirty="0" err="1"/>
               <a:t>OpenPhySyn</a:t>
             </a:r>
-            <a:endParaRPr lang="en-US" dirty="0" smtClean="0"/>
+            <a:r>
+              <a:rPr lang="en-US" dirty="0"/>
+              <a:t> </a:t>
+            </a:r>
           </a:p>
           <a:p>
             <a:endParaRPr lang="en-US" dirty="0"/>
@@ -10499,17 +10478,15 @@
           <a:lstStyle/>
           <a:p>
             <a:r>
-              <a:rPr lang="en-US" dirty="0" smtClean="0"/>
+              <a:rPr lang="en-US" dirty="0"/>
               <a:t>We need to handle pins on multiple metal layers.</a:t>
             </a:r>
-            <a:endParaRPr lang="en-US" dirty="0"/>
-          </a:p>
-          <a:p>
-            <a:r>
-              <a:rPr lang="en-US" dirty="0" smtClean="0"/>
+          </a:p>
+          <a:p>
+            <a:r>
+              <a:rPr lang="en-US" dirty="0"/>
               <a:t>Further work on testing and validating the values from the SPEF.</a:t>
             </a:r>
-            <a:endParaRPr lang="en-US" dirty="0"/>
           </a:p>
         </p:txBody>
       </p:sp>
@@ -10559,14 +10536,9 @@
           <a:lstStyle/>
           <a:p>
             <a:r>
-              <a:rPr lang="en-US" dirty="0" err="1" smtClean="0"/>
-              <a:t>Testcases</a:t>
-            </a:r>
-            <a:r>
-              <a:rPr lang="en-US" dirty="0" smtClean="0"/>
-              <a:t>:</a:t>
-            </a:r>
-            <a:endParaRPr lang="en-US" dirty="0"/>
+              <a:rPr lang="en-US" dirty="0"/>
+              <a:t>Test cases:</a:t>
+            </a:r>
           </a:p>
         </p:txBody>
       </p:sp>
@@ -10591,87 +10563,10 @@
           <a:lstStyle/>
           <a:p>
             <a:r>
-              <a:rPr lang="en-US" dirty="0" err="1" smtClean="0"/>
+              <a:rPr lang="en-US" dirty="0" err="1"/>
               <a:t>spi_master</a:t>
             </a:r>
-            <a:endParaRPr lang="en-US" dirty="0" smtClean="0"/>
-          </a:p>
-          <a:p>
-            <a:r>
-              <a:rPr lang="en-US" dirty="0" smtClean="0"/>
-              <a:t>At a clock of 10 ns:</a:t>
-            </a:r>
-          </a:p>
-          <a:p>
-            <a:pPr lvl="1"/>
-            <a:r>
-              <a:rPr lang="en-US" dirty="0" smtClean="0"/>
-              <a:t>Without wire </a:t>
-            </a:r>
-            <a:r>
-              <a:rPr lang="en-US" dirty="0" err="1" smtClean="0"/>
-              <a:t>parasitics</a:t>
-            </a:r>
-            <a:r>
-              <a:rPr lang="en-US" dirty="0" smtClean="0"/>
-              <a:t>: slack = 3.57 ns</a:t>
-            </a:r>
-          </a:p>
-          <a:p>
-            <a:pPr lvl="1"/>
-            <a:r>
-              <a:rPr lang="en-US" dirty="0" smtClean="0"/>
-              <a:t>With </a:t>
-            </a:r>
-            <a:r>
-              <a:rPr lang="en-US" dirty="0" err="1" smtClean="0"/>
-              <a:t>Spef</a:t>
-            </a:r>
-            <a:r>
-              <a:rPr lang="en-US" dirty="0" smtClean="0"/>
-              <a:t> (using </a:t>
-            </a:r>
-            <a:r>
-              <a:rPr lang="en-US" dirty="0" err="1" smtClean="0"/>
-              <a:t>OpenSTA</a:t>
-            </a:r>
-            <a:r>
-              <a:rPr lang="en-US" dirty="0" smtClean="0"/>
-              <a:t>): slack = 3.45 ns</a:t>
-            </a:r>
-          </a:p>
-          <a:p>
-            <a:pPr lvl="1"/>
-            <a:r>
-              <a:rPr lang="en-US" dirty="0" smtClean="0"/>
-              <a:t>With </a:t>
-            </a:r>
-            <a:r>
-              <a:rPr lang="en-US" dirty="0" err="1" smtClean="0"/>
-              <a:t>set_rc</a:t>
-            </a:r>
-            <a:r>
-              <a:rPr lang="en-US" dirty="0" smtClean="0"/>
-              <a:t> Command using </a:t>
-            </a:r>
-            <a:r>
-              <a:rPr lang="en-US" dirty="0" err="1" smtClean="0"/>
-              <a:t>Openroad</a:t>
-            </a:r>
-            <a:r>
-              <a:rPr lang="en-US" dirty="0" smtClean="0"/>
-              <a:t>: slack = 3.55 ns </a:t>
-            </a:r>
-          </a:p>
-          <a:p>
-            <a:r>
-              <a:rPr lang="en-US" dirty="0" err="1" smtClean="0"/>
-              <a:t>rle_rec.v</a:t>
-            </a:r>
-            <a:r>
-              <a:rPr lang="en-US" dirty="0" smtClean="0"/>
-              <a:t>:</a:t>
-            </a:r>
+            <a:endParaRPr lang="en-US" dirty="0"/>
           </a:p>
           <a:p>
             <a:r>
@@ -10691,11 +10586,7 @@
             </a:r>
             <a:r>
               <a:rPr lang="en-US" dirty="0"/>
-              <a:t>: slack = 7.47</a:t>
-            </a:r>
-            <a:r>
-              <a:rPr lang="en-US" dirty="0" smtClean="0"/>
-              <a:t>ns</a:t>
+              <a:t>: slack = 3.57 ns</a:t>
             </a:r>
           </a:p>
           <a:p>
@@ -10718,13 +10609,8 @@
             </a:r>
             <a:r>
               <a:rPr lang="en-US" dirty="0"/>
-              <a:t>): slack = </a:t>
-            </a:r>
-            <a:r>
-              <a:rPr lang="en-US" dirty="0" smtClean="0"/>
-              <a:t>5.45 ns</a:t>
-            </a:r>
-            <a:endParaRPr lang="en-US" dirty="0"/>
+              <a:t>): slack = 3.45 ns</a:t>
+            </a:r>
           </a:p>
           <a:p>
             <a:pPr lvl="1"/>
@@ -10746,13 +10632,85 @@
             </a:r>
             <a:r>
               <a:rPr lang="en-US" dirty="0"/>
-              <a:t>: slack = </a:t>
-            </a:r>
-            <a:r>
-              <a:rPr lang="en-US" dirty="0" smtClean="0"/>
-              <a:t>7.45 ns</a:t>
-            </a:r>
-            <a:endParaRPr lang="en-US" dirty="0"/>
+              <a:t>: slack = 3.55 ns </a:t>
+            </a:r>
+          </a:p>
+          <a:p>
+            <a:r>
+              <a:rPr lang="en-US" dirty="0" err="1"/>
+              <a:t>rle_rec.v</a:t>
+            </a:r>
+            <a:r>
+              <a:rPr lang="en-US" dirty="0"/>
+              <a:t>:</a:t>
+            </a:r>
+          </a:p>
+          <a:p>
+            <a:r>
+              <a:rPr lang="en-US" dirty="0"/>
+              <a:t>At a clock of 10 ns:</a:t>
+            </a:r>
+          </a:p>
+          <a:p>
+            <a:pPr lvl="1"/>
+            <a:r>
+              <a:rPr lang="en-US" dirty="0"/>
+              <a:t>Without wire </a:t>
+            </a:r>
+            <a:r>
+              <a:rPr lang="en-US" dirty="0" err="1"/>
+              <a:t>parasitics</a:t>
+            </a:r>
+            <a:r>
+              <a:rPr lang="en-US" dirty="0"/>
+              <a:t>: slack = 7.47ns</a:t>
+            </a:r>
+          </a:p>
+          <a:p>
+            <a:pPr lvl="1"/>
+            <a:r>
+              <a:rPr lang="en-US" dirty="0"/>
+              <a:t>With </a:t>
+            </a:r>
+            <a:r>
+              <a:rPr lang="en-US" dirty="0" err="1"/>
+              <a:t>Spef</a:t>
+            </a:r>
+            <a:r>
+              <a:rPr lang="en-US" dirty="0"/>
+              <a:t> (using </a:t>
+            </a:r>
+            <a:r>
+              <a:rPr lang="en-US" dirty="0" err="1"/>
+              <a:t>OpenSTA</a:t>
+            </a:r>
+            <a:r>
+              <a:rPr lang="en-US" dirty="0"/>
+              <a:t>): slack = 5.45 ns</a:t>
+            </a:r>
+          </a:p>
+          <a:p>
+            <a:pPr lvl="1"/>
+            <a:r>
+              <a:rPr lang="en-US" dirty="0"/>
+              <a:t>With </a:t>
+            </a:r>
+            <a:r>
+              <a:rPr lang="en-US" dirty="0" err="1"/>
+              <a:t>set_rc</a:t>
+            </a:r>
+            <a:r>
+              <a:rPr lang="en-US" dirty="0"/>
+              <a:t> Command using </a:t>
+            </a:r>
+            <a:r>
+              <a:rPr lang="en-US" dirty="0" err="1"/>
+              <a:t>Openroad</a:t>
+            </a:r>
+            <a:r>
+              <a:rPr lang="en-US" dirty="0"/>
+              <a:t>: slack = 7.45 ns</a:t>
+            </a:r>
           </a:p>
           <a:p>
             <a:pPr lvl="1"/>
@@ -10937,11 +10895,7 @@
             </a:pPr>
             <a:r>
               <a:rPr lang="en" sz="1400" dirty="0"/>
-              <a:t>Obtain via and metal segment capacitance/resistance </a:t>
-            </a:r>
-            <a:r>
-              <a:rPr lang="en" sz="1400" dirty="0" smtClean="0"/>
-              <a:t>–Mahfouz/Ramez</a:t>
+              <a:t>Obtain via and metal segment capacitance/resistance –Mahfouz/Ramez</a:t>
             </a:r>
             <a:endParaRPr sz="1400" dirty="0"/>
           </a:p>
@@ -10975,11 +10929,7 @@
             </a:pPr>
             <a:r>
               <a:rPr lang="en" sz="1400" dirty="0"/>
-              <a:t>Read connections section - Ramez / Mahfouz / </a:t>
-            </a:r>
-            <a:r>
-              <a:rPr lang="en" sz="1400" dirty="0" smtClean="0"/>
-              <a:t>Samah</a:t>
+              <a:t>Read connections section - Ramez / Mahfouz / Samah</a:t>
             </a:r>
             <a:endParaRPr sz="1400" dirty="0"/>
           </a:p>
@@ -11077,11 +11027,7 @@
             </a:r>
             <a:r>
               <a:rPr lang="en-US" dirty="0"/>
-              <a:t> </a:t>
-            </a:r>
-            <a:r>
-              <a:rPr lang="en-US" dirty="0" smtClean="0"/>
-              <a:t>– Hany</a:t>
+              <a:t> – Hany</a:t>
             </a:r>
           </a:p>
           <a:p>
@@ -11090,10 +11036,9 @@
               <a:buChar char="●"/>
             </a:pPr>
             <a:r>
-              <a:rPr lang="en-US" dirty="0" smtClean="0"/>
+              <a:rPr lang="en-US" dirty="0"/>
               <a:t>Running Resizer – Hany</a:t>
             </a:r>
-            <a:endParaRPr lang="en-US" dirty="0"/>
           </a:p>
           <a:p>
             <a:pPr marL="457200" lvl="0" indent="-342900">
@@ -11123,16 +11068,12 @@
               <a:t>Running </a:t>
             </a:r>
             <a:r>
-              <a:rPr lang="en-US" dirty="0" err="1" smtClean="0"/>
+              <a:rPr lang="en-US" dirty="0" err="1"/>
               <a:t>OpenPhySyn</a:t>
             </a:r>
             <a:r>
-              <a:rPr lang="en-US" dirty="0" smtClean="0"/>
-              <a:t>– </a:t>
-            </a:r>
-            <a:r>
               <a:rPr lang="en-US" dirty="0"/>
-              <a:t>Mahfouz</a:t>
+              <a:t>– Mahfouz</a:t>
             </a:r>
           </a:p>
           <a:p>
@@ -11170,7 +11111,7 @@
               <a:t>Running From the Terminal </a:t>
             </a:r>
             <a:r>
-              <a:rPr lang="en-US" smtClean="0"/>
+              <a:rPr lang="en-US"/>
               <a:t>– Mahfouz</a:t>
             </a:r>
             <a:endParaRPr lang="en-US" dirty="0"/>
@@ -11387,16 +11328,7 @@
                 </a:solidFill>
                 <a:hlinkClick r:id="rId4"/>
               </a:rPr>
-              <a:t>https://</a:t>
-            </a:r>
-            <a:r>
-              <a:rPr lang="en" u="sng" dirty="0" smtClean="0">
-                <a:solidFill>
-                  <a:schemeClr val="hlink"/>
-                </a:solidFill>
-                <a:hlinkClick r:id="rId4"/>
-              </a:rPr>
-              <a:t>github.com/HanyMoussa/SPEF-Extractor/</a:t>
+              <a:t>https://github.com/HanyMoussa/SPEF-Extractor/</a:t>
             </a:r>
             <a:endParaRPr dirty="0"/>
           </a:p>

--- a/Presentation/SPEF Extractor MS2.pptx
+++ b/Presentation/SPEF Extractor MS2.pptx
@@ -35,14 +35,14 @@
   <p:notesSz cx="6858000" cy="9144000"/>
   <p:embeddedFontLst>
     <p:embeddedFont>
-      <p:font typeface="Economica" panose="020B0604020202020204" charset="0"/>
+      <p:font typeface="Open Sans" panose="020B0604020202020204" charset="0"/>
       <p:regular r:id="rId25"/>
       <p:bold r:id="rId26"/>
       <p:italic r:id="rId27"/>
       <p:boldItalic r:id="rId28"/>
     </p:embeddedFont>
     <p:embeddedFont>
-      <p:font typeface="Open Sans" panose="020B0604020202020204" charset="0"/>
+      <p:font typeface="Economica" panose="020B0604020202020204" charset="0"/>
       <p:regular r:id="rId29"/>
       <p:bold r:id="rId30"/>
       <p:italic r:id="rId31"/>
@@ -8550,7 +8550,11 @@
             </a:pPr>
             <a:r>
               <a:rPr lang="en" dirty="0"/>
-              <a:t>By: Hany Moussa,</a:t>
+              <a:t>By: Hany </a:t>
+            </a:r>
+            <a:r>
+              <a:rPr lang="en" dirty="0" smtClean="0"/>
+              <a:t>Moussa - 900171833,</a:t>
             </a:r>
             <a:endParaRPr dirty="0"/>
           </a:p>
@@ -8566,39 +8570,43 @@
             </a:pPr>
             <a:r>
               <a:rPr lang="en" dirty="0"/>
-              <a:t>Ramez Moussa,</a:t>
+              <a:t>Ramez </a:t>
+            </a:r>
+            <a:r>
+              <a:rPr lang="en" dirty="0" smtClean="0"/>
+              <a:t>Moussa - 900171864,</a:t>
             </a:r>
             <a:endParaRPr dirty="0"/>
           </a:p>
           <a:p>
-            <a:pPr marL="0" lvl="0" indent="0" algn="ctr" rtl="0">
-              <a:spcBef>
-                <a:spcPts val="0"/>
-              </a:spcBef>
-              <a:spcAft>
-                <a:spcPts val="0"/>
-              </a:spcAft>
-              <a:buNone/>
-            </a:pPr>
+            <a:pPr marL="0" lvl="0" indent="0"/>
             <a:r>
               <a:rPr lang="en" dirty="0"/>
-              <a:t>Samah Hussein and</a:t>
+              <a:t>Samah </a:t>
+            </a:r>
+            <a:r>
+              <a:rPr lang="en" smtClean="0"/>
+              <a:t>Hussein </a:t>
+            </a:r>
+            <a:r>
+              <a:rPr lang="en" smtClean="0"/>
+              <a:t>– 900172660 and</a:t>
             </a:r>
             <a:endParaRPr dirty="0"/>
           </a:p>
           <a:p>
-            <a:pPr marL="0" lvl="0" indent="0" algn="ctr" rtl="0">
-              <a:spcBef>
-                <a:spcPts val="0"/>
-              </a:spcBef>
-              <a:spcAft>
-                <a:spcPts val="0"/>
-              </a:spcAft>
-              <a:buNone/>
-            </a:pPr>
+            <a:pPr marL="0" lvl="0" indent="0"/>
             <a:r>
               <a:rPr lang="en" dirty="0"/>
-              <a:t>Mohammed Mahfouz</a:t>
+              <a:t>Mohammed </a:t>
+            </a:r>
+            <a:r>
+              <a:rPr lang="en" dirty="0" smtClean="0"/>
+              <a:t>Mahfouz</a:t>
+            </a:r>
+            <a:r>
+              <a:rPr lang="en" dirty="0" smtClean="0"/>
+              <a:t>- 900172170</a:t>
             </a:r>
             <a:endParaRPr dirty="0"/>
           </a:p>
